--- a/ppt 16-9/1467.求主看顾.pptx
+++ b/ppt 16-9/1467.求主看顾.pptx
@@ -5,7 +5,7 @@
     <p:sldMasterId id="2147483648" r:id="rId1"/>
   </p:sldMasterIdLst>
   <p:sldIdLst>
-    <p:sldId id="1041" r:id="rId2"/>
+    <p:sldId id="1042" r:id="rId2"/>
   </p:sldIdLst>
   <p:sldSz cx="12192000" cy="6858000"/>
   <p:notesSz cx="6858000" cy="9144000"/>
@@ -129,7 +129,7 @@
           <p:cNvPr id="2" name="标题 1">
             <a:extLst>
               <a:ext uri="{FF2B5EF4-FFF2-40B4-BE49-F238E27FC236}">
-                <a16:creationId xmlns:a16="http://schemas.microsoft.com/office/drawing/2014/main" id="{8848611F-90C9-2E59-E412-D3211340ABAC}"/>
+                <a16:creationId xmlns:a16="http://schemas.microsoft.com/office/drawing/2014/main" id="{05B92A62-C040-7A5B-9B51-949293005E74}"/>
               </a:ext>
             </a:extLst>
           </p:cNvPr>
@@ -166,7 +166,7 @@
           <p:cNvPr id="3" name="副标题 2">
             <a:extLst>
               <a:ext uri="{FF2B5EF4-FFF2-40B4-BE49-F238E27FC236}">
-                <a16:creationId xmlns:a16="http://schemas.microsoft.com/office/drawing/2014/main" id="{06F5EC63-033E-14F4-D3AE-E9D46A20037E}"/>
+                <a16:creationId xmlns:a16="http://schemas.microsoft.com/office/drawing/2014/main" id="{90AB2685-419E-3453-F38E-A1EE01E6E034}"/>
               </a:ext>
             </a:extLst>
           </p:cNvPr>
@@ -236,7 +236,7 @@
           <p:cNvPr id="4" name="日期占位符 3">
             <a:extLst>
               <a:ext uri="{FF2B5EF4-FFF2-40B4-BE49-F238E27FC236}">
-                <a16:creationId xmlns:a16="http://schemas.microsoft.com/office/drawing/2014/main" id="{6215FD37-1D76-4294-2CF5-7392B9C4040F}"/>
+                <a16:creationId xmlns:a16="http://schemas.microsoft.com/office/drawing/2014/main" id="{B622DA7F-6696-C350-4BE4-5E35769D9081}"/>
               </a:ext>
             </a:extLst>
           </p:cNvPr>
@@ -252,7 +252,7 @@
           <a:bodyPr/>
           <a:lstStyle/>
           <a:p>
-            <a:fld id="{90610C90-A3CD-4295-AD72-98969FDBB064}" type="datetimeFigureOut">
+            <a:fld id="{5BB2D626-81F7-474D-8652-877275D4453A}" type="datetimeFigureOut">
               <a:rPr lang="zh-CN" altLang="en-US" smtClean="0"/>
               <a:t>2024/3/10</a:t>
             </a:fld>
@@ -265,7 +265,7 @@
           <p:cNvPr id="5" name="页脚占位符 4">
             <a:extLst>
               <a:ext uri="{FF2B5EF4-FFF2-40B4-BE49-F238E27FC236}">
-                <a16:creationId xmlns:a16="http://schemas.microsoft.com/office/drawing/2014/main" id="{565FA64B-05B7-FCBB-737A-F7873AF027CB}"/>
+                <a16:creationId xmlns:a16="http://schemas.microsoft.com/office/drawing/2014/main" id="{F3A5B9FF-4A5D-B4E3-ED27-73D8830D0D48}"/>
               </a:ext>
             </a:extLst>
           </p:cNvPr>
@@ -290,7 +290,7 @@
           <p:cNvPr id="6" name="灯片编号占位符 5">
             <a:extLst>
               <a:ext uri="{FF2B5EF4-FFF2-40B4-BE49-F238E27FC236}">
-                <a16:creationId xmlns:a16="http://schemas.microsoft.com/office/drawing/2014/main" id="{1518E3D6-42C3-84CD-1F25-84AE55DBE983}"/>
+                <a16:creationId xmlns:a16="http://schemas.microsoft.com/office/drawing/2014/main" id="{42C27A10-3753-17A2-C146-F4F0FC775E24}"/>
               </a:ext>
             </a:extLst>
           </p:cNvPr>
@@ -306,7 +306,7 @@
           <a:bodyPr/>
           <a:lstStyle/>
           <a:p>
-            <a:fld id="{FCA50853-9E15-4621-B5A8-F2A0C47FD15E}" type="slidenum">
+            <a:fld id="{9E421C91-0F0B-4F10-9A84-ED297DA35446}" type="slidenum">
               <a:rPr lang="zh-CN" altLang="en-US" smtClean="0"/>
               <a:t>‹#›</a:t>
             </a:fld>
@@ -317,7 +317,7 @@
     </p:spTree>
     <p:extLst>
       <p:ext uri="{BB962C8B-B14F-4D97-AF65-F5344CB8AC3E}">
-        <p14:creationId xmlns:p14="http://schemas.microsoft.com/office/powerpoint/2010/main" val="1561204159"/>
+        <p14:creationId xmlns:p14="http://schemas.microsoft.com/office/powerpoint/2010/main" val="2184410818"/>
       </p:ext>
     </p:extLst>
   </p:cSld>
@@ -349,7 +349,7 @@
           <p:cNvPr id="2" name="标题 1">
             <a:extLst>
               <a:ext uri="{FF2B5EF4-FFF2-40B4-BE49-F238E27FC236}">
-                <a16:creationId xmlns:a16="http://schemas.microsoft.com/office/drawing/2014/main" id="{0483BDEE-6ED8-9BF1-52E6-B81C692DB7DD}"/>
+                <a16:creationId xmlns:a16="http://schemas.microsoft.com/office/drawing/2014/main" id="{5A66E73F-84BE-9D69-9EC8-47BF4AEEDF02}"/>
               </a:ext>
             </a:extLst>
           </p:cNvPr>
@@ -377,7 +377,7 @@
           <p:cNvPr id="3" name="竖排文字占位符 2">
             <a:extLst>
               <a:ext uri="{FF2B5EF4-FFF2-40B4-BE49-F238E27FC236}">
-                <a16:creationId xmlns:a16="http://schemas.microsoft.com/office/drawing/2014/main" id="{CD320E44-AAE6-E4F2-735F-CC7F9CB8CA45}"/>
+                <a16:creationId xmlns:a16="http://schemas.microsoft.com/office/drawing/2014/main" id="{1AD09964-17A6-C59F-5956-6F5A714D92A9}"/>
               </a:ext>
             </a:extLst>
           </p:cNvPr>
@@ -434,7 +434,7 @@
           <p:cNvPr id="4" name="日期占位符 3">
             <a:extLst>
               <a:ext uri="{FF2B5EF4-FFF2-40B4-BE49-F238E27FC236}">
-                <a16:creationId xmlns:a16="http://schemas.microsoft.com/office/drawing/2014/main" id="{CF084785-740E-10B5-31B8-CE57B208653D}"/>
+                <a16:creationId xmlns:a16="http://schemas.microsoft.com/office/drawing/2014/main" id="{3DE9B5E4-F8C5-C8BE-7AEF-DC51ACE282D9}"/>
               </a:ext>
             </a:extLst>
           </p:cNvPr>
@@ -450,7 +450,7 @@
           <a:bodyPr/>
           <a:lstStyle/>
           <a:p>
-            <a:fld id="{90610C90-A3CD-4295-AD72-98969FDBB064}" type="datetimeFigureOut">
+            <a:fld id="{5BB2D626-81F7-474D-8652-877275D4453A}" type="datetimeFigureOut">
               <a:rPr lang="zh-CN" altLang="en-US" smtClean="0"/>
               <a:t>2024/3/10</a:t>
             </a:fld>
@@ -463,7 +463,7 @@
           <p:cNvPr id="5" name="页脚占位符 4">
             <a:extLst>
               <a:ext uri="{FF2B5EF4-FFF2-40B4-BE49-F238E27FC236}">
-                <a16:creationId xmlns:a16="http://schemas.microsoft.com/office/drawing/2014/main" id="{A997EC08-9DFD-645C-A182-81EEF90E3DA4}"/>
+                <a16:creationId xmlns:a16="http://schemas.microsoft.com/office/drawing/2014/main" id="{1D89AC39-FD8D-0EF3-3473-ABB4C8662298}"/>
               </a:ext>
             </a:extLst>
           </p:cNvPr>
@@ -488,7 +488,7 @@
           <p:cNvPr id="6" name="灯片编号占位符 5">
             <a:extLst>
               <a:ext uri="{FF2B5EF4-FFF2-40B4-BE49-F238E27FC236}">
-                <a16:creationId xmlns:a16="http://schemas.microsoft.com/office/drawing/2014/main" id="{87DCFEBA-4A1A-5E7C-BEE5-5F3981BF5226}"/>
+                <a16:creationId xmlns:a16="http://schemas.microsoft.com/office/drawing/2014/main" id="{2CA85F43-A564-B95D-8BF5-4BF01D364E68}"/>
               </a:ext>
             </a:extLst>
           </p:cNvPr>
@@ -504,7 +504,7 @@
           <a:bodyPr/>
           <a:lstStyle/>
           <a:p>
-            <a:fld id="{FCA50853-9E15-4621-B5A8-F2A0C47FD15E}" type="slidenum">
+            <a:fld id="{9E421C91-0F0B-4F10-9A84-ED297DA35446}" type="slidenum">
               <a:rPr lang="zh-CN" altLang="en-US" smtClean="0"/>
               <a:t>‹#›</a:t>
             </a:fld>
@@ -515,7 +515,7 @@
     </p:spTree>
     <p:extLst>
       <p:ext uri="{BB962C8B-B14F-4D97-AF65-F5344CB8AC3E}">
-        <p14:creationId xmlns:p14="http://schemas.microsoft.com/office/powerpoint/2010/main" val="1860814948"/>
+        <p14:creationId xmlns:p14="http://schemas.microsoft.com/office/powerpoint/2010/main" val="4190848876"/>
       </p:ext>
     </p:extLst>
   </p:cSld>
@@ -547,7 +547,7 @@
           <p:cNvPr id="2" name="竖排标题 1">
             <a:extLst>
               <a:ext uri="{FF2B5EF4-FFF2-40B4-BE49-F238E27FC236}">
-                <a16:creationId xmlns:a16="http://schemas.microsoft.com/office/drawing/2014/main" id="{FB824C0E-1E3C-9D7F-872B-D03AC9560872}"/>
+                <a16:creationId xmlns:a16="http://schemas.microsoft.com/office/drawing/2014/main" id="{884F399F-AD04-B962-7B85-46A267FCF40D}"/>
               </a:ext>
             </a:extLst>
           </p:cNvPr>
@@ -580,7 +580,7 @@
           <p:cNvPr id="3" name="竖排文字占位符 2">
             <a:extLst>
               <a:ext uri="{FF2B5EF4-FFF2-40B4-BE49-F238E27FC236}">
-                <a16:creationId xmlns:a16="http://schemas.microsoft.com/office/drawing/2014/main" id="{54A3EBA9-898A-BF47-3441-6AA199355F1C}"/>
+                <a16:creationId xmlns:a16="http://schemas.microsoft.com/office/drawing/2014/main" id="{6BE45676-0053-07D4-3B80-D41E523F05E2}"/>
               </a:ext>
             </a:extLst>
           </p:cNvPr>
@@ -642,7 +642,7 @@
           <p:cNvPr id="4" name="日期占位符 3">
             <a:extLst>
               <a:ext uri="{FF2B5EF4-FFF2-40B4-BE49-F238E27FC236}">
-                <a16:creationId xmlns:a16="http://schemas.microsoft.com/office/drawing/2014/main" id="{7AC95123-FB85-3F36-E28B-259EDEA37570}"/>
+                <a16:creationId xmlns:a16="http://schemas.microsoft.com/office/drawing/2014/main" id="{62A91274-BBED-00F7-612D-D0D93CEB08E5}"/>
               </a:ext>
             </a:extLst>
           </p:cNvPr>
@@ -658,7 +658,7 @@
           <a:bodyPr/>
           <a:lstStyle/>
           <a:p>
-            <a:fld id="{90610C90-A3CD-4295-AD72-98969FDBB064}" type="datetimeFigureOut">
+            <a:fld id="{5BB2D626-81F7-474D-8652-877275D4453A}" type="datetimeFigureOut">
               <a:rPr lang="zh-CN" altLang="en-US" smtClean="0"/>
               <a:t>2024/3/10</a:t>
             </a:fld>
@@ -671,7 +671,7 @@
           <p:cNvPr id="5" name="页脚占位符 4">
             <a:extLst>
               <a:ext uri="{FF2B5EF4-FFF2-40B4-BE49-F238E27FC236}">
-                <a16:creationId xmlns:a16="http://schemas.microsoft.com/office/drawing/2014/main" id="{66274AB6-4EA1-B74E-14C3-4E5236F0B149}"/>
+                <a16:creationId xmlns:a16="http://schemas.microsoft.com/office/drawing/2014/main" id="{0AA42BB0-B793-582E-DAF2-340E33DE4F98}"/>
               </a:ext>
             </a:extLst>
           </p:cNvPr>
@@ -696,7 +696,7 @@
           <p:cNvPr id="6" name="灯片编号占位符 5">
             <a:extLst>
               <a:ext uri="{FF2B5EF4-FFF2-40B4-BE49-F238E27FC236}">
-                <a16:creationId xmlns:a16="http://schemas.microsoft.com/office/drawing/2014/main" id="{6189025D-8A02-A4B1-22CC-5DA8A62B79CC}"/>
+                <a16:creationId xmlns:a16="http://schemas.microsoft.com/office/drawing/2014/main" id="{1566506B-D68A-6272-192F-4C10288A863D}"/>
               </a:ext>
             </a:extLst>
           </p:cNvPr>
@@ -712,7 +712,7 @@
           <a:bodyPr/>
           <a:lstStyle/>
           <a:p>
-            <a:fld id="{FCA50853-9E15-4621-B5A8-F2A0C47FD15E}" type="slidenum">
+            <a:fld id="{9E421C91-0F0B-4F10-9A84-ED297DA35446}" type="slidenum">
               <a:rPr lang="zh-CN" altLang="en-US" smtClean="0"/>
               <a:t>‹#›</a:t>
             </a:fld>
@@ -723,7 +723,7 @@
     </p:spTree>
     <p:extLst>
       <p:ext uri="{BB962C8B-B14F-4D97-AF65-F5344CB8AC3E}">
-        <p14:creationId xmlns:p14="http://schemas.microsoft.com/office/powerpoint/2010/main" val="1093497412"/>
+        <p14:creationId xmlns:p14="http://schemas.microsoft.com/office/powerpoint/2010/main" val="4010034800"/>
       </p:ext>
     </p:extLst>
   </p:cSld>
@@ -755,7 +755,7 @@
           <p:cNvPr id="2" name="标题 1">
             <a:extLst>
               <a:ext uri="{FF2B5EF4-FFF2-40B4-BE49-F238E27FC236}">
-                <a16:creationId xmlns:a16="http://schemas.microsoft.com/office/drawing/2014/main" id="{37006065-ABC5-C4B5-9713-3C763F8004E1}"/>
+                <a16:creationId xmlns:a16="http://schemas.microsoft.com/office/drawing/2014/main" id="{7F5A22B0-710E-B509-00BB-5536C5A77938}"/>
               </a:ext>
             </a:extLst>
           </p:cNvPr>
@@ -783,7 +783,7 @@
           <p:cNvPr id="3" name="内容占位符 2">
             <a:extLst>
               <a:ext uri="{FF2B5EF4-FFF2-40B4-BE49-F238E27FC236}">
-                <a16:creationId xmlns:a16="http://schemas.microsoft.com/office/drawing/2014/main" id="{58495DCD-35F2-D3B3-CF64-931D5A9860A9}"/>
+                <a16:creationId xmlns:a16="http://schemas.microsoft.com/office/drawing/2014/main" id="{D7C3329B-9191-418E-3266-9265AF2AE05D}"/>
               </a:ext>
             </a:extLst>
           </p:cNvPr>
@@ -840,7 +840,7 @@
           <p:cNvPr id="4" name="日期占位符 3">
             <a:extLst>
               <a:ext uri="{FF2B5EF4-FFF2-40B4-BE49-F238E27FC236}">
-                <a16:creationId xmlns:a16="http://schemas.microsoft.com/office/drawing/2014/main" id="{9EA937A1-857E-DE8D-738F-5150933EF688}"/>
+                <a16:creationId xmlns:a16="http://schemas.microsoft.com/office/drawing/2014/main" id="{DA35296A-C3F1-D65D-4AC8-A4AF123AC91D}"/>
               </a:ext>
             </a:extLst>
           </p:cNvPr>
@@ -856,7 +856,7 @@
           <a:bodyPr/>
           <a:lstStyle/>
           <a:p>
-            <a:fld id="{90610C90-A3CD-4295-AD72-98969FDBB064}" type="datetimeFigureOut">
+            <a:fld id="{5BB2D626-81F7-474D-8652-877275D4453A}" type="datetimeFigureOut">
               <a:rPr lang="zh-CN" altLang="en-US" smtClean="0"/>
               <a:t>2024/3/10</a:t>
             </a:fld>
@@ -869,7 +869,7 @@
           <p:cNvPr id="5" name="页脚占位符 4">
             <a:extLst>
               <a:ext uri="{FF2B5EF4-FFF2-40B4-BE49-F238E27FC236}">
-                <a16:creationId xmlns:a16="http://schemas.microsoft.com/office/drawing/2014/main" id="{4DAD6E1C-9522-2204-5483-586E3001141A}"/>
+                <a16:creationId xmlns:a16="http://schemas.microsoft.com/office/drawing/2014/main" id="{5B0DCDD2-A601-E413-8F5F-CD389EA1BCB1}"/>
               </a:ext>
             </a:extLst>
           </p:cNvPr>
@@ -894,7 +894,7 @@
           <p:cNvPr id="6" name="灯片编号占位符 5">
             <a:extLst>
               <a:ext uri="{FF2B5EF4-FFF2-40B4-BE49-F238E27FC236}">
-                <a16:creationId xmlns:a16="http://schemas.microsoft.com/office/drawing/2014/main" id="{DD2DAEF6-FFA5-C332-1ED4-C0CFEFFC01A9}"/>
+                <a16:creationId xmlns:a16="http://schemas.microsoft.com/office/drawing/2014/main" id="{802E124F-9683-7314-2C9A-01F74F6084B3}"/>
               </a:ext>
             </a:extLst>
           </p:cNvPr>
@@ -910,7 +910,7 @@
           <a:bodyPr/>
           <a:lstStyle/>
           <a:p>
-            <a:fld id="{FCA50853-9E15-4621-B5A8-F2A0C47FD15E}" type="slidenum">
+            <a:fld id="{9E421C91-0F0B-4F10-9A84-ED297DA35446}" type="slidenum">
               <a:rPr lang="zh-CN" altLang="en-US" smtClean="0"/>
               <a:t>‹#›</a:t>
             </a:fld>
@@ -921,7 +921,7 @@
     </p:spTree>
     <p:extLst>
       <p:ext uri="{BB962C8B-B14F-4D97-AF65-F5344CB8AC3E}">
-        <p14:creationId xmlns:p14="http://schemas.microsoft.com/office/powerpoint/2010/main" val="1948930423"/>
+        <p14:creationId xmlns:p14="http://schemas.microsoft.com/office/powerpoint/2010/main" val="3579453183"/>
       </p:ext>
     </p:extLst>
   </p:cSld>
@@ -953,7 +953,7 @@
           <p:cNvPr id="2" name="标题 1">
             <a:extLst>
               <a:ext uri="{FF2B5EF4-FFF2-40B4-BE49-F238E27FC236}">
-                <a16:creationId xmlns:a16="http://schemas.microsoft.com/office/drawing/2014/main" id="{E74B3716-1FE4-FE69-AC58-6778A019E36B}"/>
+                <a16:creationId xmlns:a16="http://schemas.microsoft.com/office/drawing/2014/main" id="{F50A63EF-032C-BD55-3D28-AFE55D41189D}"/>
               </a:ext>
             </a:extLst>
           </p:cNvPr>
@@ -990,7 +990,7 @@
           <p:cNvPr id="3" name="文本占位符 2">
             <a:extLst>
               <a:ext uri="{FF2B5EF4-FFF2-40B4-BE49-F238E27FC236}">
-                <a16:creationId xmlns:a16="http://schemas.microsoft.com/office/drawing/2014/main" id="{FA677356-AEB6-79F7-89BE-83217A651AEF}"/>
+                <a16:creationId xmlns:a16="http://schemas.microsoft.com/office/drawing/2014/main" id="{ED124B27-81AA-EDAA-EFEF-4BFE1D1957B1}"/>
               </a:ext>
             </a:extLst>
           </p:cNvPr>
@@ -1115,7 +1115,7 @@
           <p:cNvPr id="4" name="日期占位符 3">
             <a:extLst>
               <a:ext uri="{FF2B5EF4-FFF2-40B4-BE49-F238E27FC236}">
-                <a16:creationId xmlns:a16="http://schemas.microsoft.com/office/drawing/2014/main" id="{7F992921-CC05-4FAE-E153-B053E2422924}"/>
+                <a16:creationId xmlns:a16="http://schemas.microsoft.com/office/drawing/2014/main" id="{A0B77193-6BFD-9698-6B38-35C545CC64D8}"/>
               </a:ext>
             </a:extLst>
           </p:cNvPr>
@@ -1131,7 +1131,7 @@
           <a:bodyPr/>
           <a:lstStyle/>
           <a:p>
-            <a:fld id="{90610C90-A3CD-4295-AD72-98969FDBB064}" type="datetimeFigureOut">
+            <a:fld id="{5BB2D626-81F7-474D-8652-877275D4453A}" type="datetimeFigureOut">
               <a:rPr lang="zh-CN" altLang="en-US" smtClean="0"/>
               <a:t>2024/3/10</a:t>
             </a:fld>
@@ -1144,7 +1144,7 @@
           <p:cNvPr id="5" name="页脚占位符 4">
             <a:extLst>
               <a:ext uri="{FF2B5EF4-FFF2-40B4-BE49-F238E27FC236}">
-                <a16:creationId xmlns:a16="http://schemas.microsoft.com/office/drawing/2014/main" id="{DEBD45E2-2CF1-EAB8-8019-D7AEACB173C4}"/>
+                <a16:creationId xmlns:a16="http://schemas.microsoft.com/office/drawing/2014/main" id="{93D75487-C545-9547-9590-E2579708E9D0}"/>
               </a:ext>
             </a:extLst>
           </p:cNvPr>
@@ -1169,7 +1169,7 @@
           <p:cNvPr id="6" name="灯片编号占位符 5">
             <a:extLst>
               <a:ext uri="{FF2B5EF4-FFF2-40B4-BE49-F238E27FC236}">
-                <a16:creationId xmlns:a16="http://schemas.microsoft.com/office/drawing/2014/main" id="{FCF36ED5-026A-8B6D-E5EB-2D352D136F5B}"/>
+                <a16:creationId xmlns:a16="http://schemas.microsoft.com/office/drawing/2014/main" id="{14CF0E42-E10A-BC7A-DA4C-F205C683687B}"/>
               </a:ext>
             </a:extLst>
           </p:cNvPr>
@@ -1185,7 +1185,7 @@
           <a:bodyPr/>
           <a:lstStyle/>
           <a:p>
-            <a:fld id="{FCA50853-9E15-4621-B5A8-F2A0C47FD15E}" type="slidenum">
+            <a:fld id="{9E421C91-0F0B-4F10-9A84-ED297DA35446}" type="slidenum">
               <a:rPr lang="zh-CN" altLang="en-US" smtClean="0"/>
               <a:t>‹#›</a:t>
             </a:fld>
@@ -1196,7 +1196,7 @@
     </p:spTree>
     <p:extLst>
       <p:ext uri="{BB962C8B-B14F-4D97-AF65-F5344CB8AC3E}">
-        <p14:creationId xmlns:p14="http://schemas.microsoft.com/office/powerpoint/2010/main" val="2604496580"/>
+        <p14:creationId xmlns:p14="http://schemas.microsoft.com/office/powerpoint/2010/main" val="323641468"/>
       </p:ext>
     </p:extLst>
   </p:cSld>
@@ -1228,7 +1228,7 @@
           <p:cNvPr id="2" name="标题 1">
             <a:extLst>
               <a:ext uri="{FF2B5EF4-FFF2-40B4-BE49-F238E27FC236}">
-                <a16:creationId xmlns:a16="http://schemas.microsoft.com/office/drawing/2014/main" id="{577E4BA0-CC32-1383-3B1B-169CECA3A3D0}"/>
+                <a16:creationId xmlns:a16="http://schemas.microsoft.com/office/drawing/2014/main" id="{EAAE3208-2B08-AA74-9906-FD286B91BF00}"/>
               </a:ext>
             </a:extLst>
           </p:cNvPr>
@@ -1256,7 +1256,7 @@
           <p:cNvPr id="3" name="内容占位符 2">
             <a:extLst>
               <a:ext uri="{FF2B5EF4-FFF2-40B4-BE49-F238E27FC236}">
-                <a16:creationId xmlns:a16="http://schemas.microsoft.com/office/drawing/2014/main" id="{8D412677-4403-A7E6-0FAB-8251EFAA8EE6}"/>
+                <a16:creationId xmlns:a16="http://schemas.microsoft.com/office/drawing/2014/main" id="{FD7BC2A8-75E7-E42B-2EA7-80C3E7088059}"/>
               </a:ext>
             </a:extLst>
           </p:cNvPr>
@@ -1318,7 +1318,7 @@
           <p:cNvPr id="4" name="内容占位符 3">
             <a:extLst>
               <a:ext uri="{FF2B5EF4-FFF2-40B4-BE49-F238E27FC236}">
-                <a16:creationId xmlns:a16="http://schemas.microsoft.com/office/drawing/2014/main" id="{5B516C5A-5B1F-6B06-630A-6AE3C0D7CEE9}"/>
+                <a16:creationId xmlns:a16="http://schemas.microsoft.com/office/drawing/2014/main" id="{CED5644B-7DCD-E98D-41C4-90AAF5F3E82C}"/>
               </a:ext>
             </a:extLst>
           </p:cNvPr>
@@ -1380,7 +1380,7 @@
           <p:cNvPr id="5" name="日期占位符 4">
             <a:extLst>
               <a:ext uri="{FF2B5EF4-FFF2-40B4-BE49-F238E27FC236}">
-                <a16:creationId xmlns:a16="http://schemas.microsoft.com/office/drawing/2014/main" id="{59B78A70-2A2B-4A6B-D1A3-6064813167A2}"/>
+                <a16:creationId xmlns:a16="http://schemas.microsoft.com/office/drawing/2014/main" id="{5713A7FD-2F4C-5CEE-BEEF-9A82FCA488E1}"/>
               </a:ext>
             </a:extLst>
           </p:cNvPr>
@@ -1396,7 +1396,7 @@
           <a:bodyPr/>
           <a:lstStyle/>
           <a:p>
-            <a:fld id="{90610C90-A3CD-4295-AD72-98969FDBB064}" type="datetimeFigureOut">
+            <a:fld id="{5BB2D626-81F7-474D-8652-877275D4453A}" type="datetimeFigureOut">
               <a:rPr lang="zh-CN" altLang="en-US" smtClean="0"/>
               <a:t>2024/3/10</a:t>
             </a:fld>
@@ -1409,7 +1409,7 @@
           <p:cNvPr id="6" name="页脚占位符 5">
             <a:extLst>
               <a:ext uri="{FF2B5EF4-FFF2-40B4-BE49-F238E27FC236}">
-                <a16:creationId xmlns:a16="http://schemas.microsoft.com/office/drawing/2014/main" id="{C74867DF-2B19-8486-DEC7-81E6989B82DF}"/>
+                <a16:creationId xmlns:a16="http://schemas.microsoft.com/office/drawing/2014/main" id="{65ED6C7F-CB72-4113-7ABE-3569676D2FE0}"/>
               </a:ext>
             </a:extLst>
           </p:cNvPr>
@@ -1434,7 +1434,7 @@
           <p:cNvPr id="7" name="灯片编号占位符 6">
             <a:extLst>
               <a:ext uri="{FF2B5EF4-FFF2-40B4-BE49-F238E27FC236}">
-                <a16:creationId xmlns:a16="http://schemas.microsoft.com/office/drawing/2014/main" id="{D45AB1FD-B9D0-05F0-8997-6AF3C92E762F}"/>
+                <a16:creationId xmlns:a16="http://schemas.microsoft.com/office/drawing/2014/main" id="{69838E46-9FFD-7C0E-D83C-4E463CA0C6CB}"/>
               </a:ext>
             </a:extLst>
           </p:cNvPr>
@@ -1450,7 +1450,7 @@
           <a:bodyPr/>
           <a:lstStyle/>
           <a:p>
-            <a:fld id="{FCA50853-9E15-4621-B5A8-F2A0C47FD15E}" type="slidenum">
+            <a:fld id="{9E421C91-0F0B-4F10-9A84-ED297DA35446}" type="slidenum">
               <a:rPr lang="zh-CN" altLang="en-US" smtClean="0"/>
               <a:t>‹#›</a:t>
             </a:fld>
@@ -1461,7 +1461,7 @@
     </p:spTree>
     <p:extLst>
       <p:ext uri="{BB962C8B-B14F-4D97-AF65-F5344CB8AC3E}">
-        <p14:creationId xmlns:p14="http://schemas.microsoft.com/office/powerpoint/2010/main" val="901181207"/>
+        <p14:creationId xmlns:p14="http://schemas.microsoft.com/office/powerpoint/2010/main" val="3237425996"/>
       </p:ext>
     </p:extLst>
   </p:cSld>
@@ -1493,7 +1493,7 @@
           <p:cNvPr id="2" name="标题 1">
             <a:extLst>
               <a:ext uri="{FF2B5EF4-FFF2-40B4-BE49-F238E27FC236}">
-                <a16:creationId xmlns:a16="http://schemas.microsoft.com/office/drawing/2014/main" id="{B2E36A1D-72C1-B693-D4C8-E6326F735BBE}"/>
+                <a16:creationId xmlns:a16="http://schemas.microsoft.com/office/drawing/2014/main" id="{2449C835-61BB-1DE5-88A4-61B2B402B828}"/>
               </a:ext>
             </a:extLst>
           </p:cNvPr>
@@ -1526,7 +1526,7 @@
           <p:cNvPr id="3" name="文本占位符 2">
             <a:extLst>
               <a:ext uri="{FF2B5EF4-FFF2-40B4-BE49-F238E27FC236}">
-                <a16:creationId xmlns:a16="http://schemas.microsoft.com/office/drawing/2014/main" id="{86A7D37A-1D6A-AAFF-6528-94936FE61448}"/>
+                <a16:creationId xmlns:a16="http://schemas.microsoft.com/office/drawing/2014/main" id="{F900B5DE-DD7C-747E-9147-164A695B18FB}"/>
               </a:ext>
             </a:extLst>
           </p:cNvPr>
@@ -1597,7 +1597,7 @@
           <p:cNvPr id="4" name="内容占位符 3">
             <a:extLst>
               <a:ext uri="{FF2B5EF4-FFF2-40B4-BE49-F238E27FC236}">
-                <a16:creationId xmlns:a16="http://schemas.microsoft.com/office/drawing/2014/main" id="{6CD743C0-3DB8-747F-11B8-FEA4D57E6990}"/>
+                <a16:creationId xmlns:a16="http://schemas.microsoft.com/office/drawing/2014/main" id="{FD0D7FB3-441B-D5B8-0052-E7CF50B8A941}"/>
               </a:ext>
             </a:extLst>
           </p:cNvPr>
@@ -1659,7 +1659,7 @@
           <p:cNvPr id="5" name="文本占位符 4">
             <a:extLst>
               <a:ext uri="{FF2B5EF4-FFF2-40B4-BE49-F238E27FC236}">
-                <a16:creationId xmlns:a16="http://schemas.microsoft.com/office/drawing/2014/main" id="{25F73CBD-D6F8-9189-BEA3-ED0865B727E8}"/>
+                <a16:creationId xmlns:a16="http://schemas.microsoft.com/office/drawing/2014/main" id="{E716CBEA-D6EC-804F-C8A1-503DD85133DA}"/>
               </a:ext>
             </a:extLst>
           </p:cNvPr>
@@ -1730,7 +1730,7 @@
           <p:cNvPr id="6" name="内容占位符 5">
             <a:extLst>
               <a:ext uri="{FF2B5EF4-FFF2-40B4-BE49-F238E27FC236}">
-                <a16:creationId xmlns:a16="http://schemas.microsoft.com/office/drawing/2014/main" id="{B526C0E3-9162-9A68-DCFF-4097ED1EFA10}"/>
+                <a16:creationId xmlns:a16="http://schemas.microsoft.com/office/drawing/2014/main" id="{7E70679E-5996-F1E2-EA54-FBE47283AAC2}"/>
               </a:ext>
             </a:extLst>
           </p:cNvPr>
@@ -1792,7 +1792,7 @@
           <p:cNvPr id="7" name="日期占位符 6">
             <a:extLst>
               <a:ext uri="{FF2B5EF4-FFF2-40B4-BE49-F238E27FC236}">
-                <a16:creationId xmlns:a16="http://schemas.microsoft.com/office/drawing/2014/main" id="{AACAFCFA-5035-DE46-6075-2CAD168E7C09}"/>
+                <a16:creationId xmlns:a16="http://schemas.microsoft.com/office/drawing/2014/main" id="{BFFDD3C2-6212-A9BC-4644-CE0AE55A39C9}"/>
               </a:ext>
             </a:extLst>
           </p:cNvPr>
@@ -1808,7 +1808,7 @@
           <a:bodyPr/>
           <a:lstStyle/>
           <a:p>
-            <a:fld id="{90610C90-A3CD-4295-AD72-98969FDBB064}" type="datetimeFigureOut">
+            <a:fld id="{5BB2D626-81F7-474D-8652-877275D4453A}" type="datetimeFigureOut">
               <a:rPr lang="zh-CN" altLang="en-US" smtClean="0"/>
               <a:t>2024/3/10</a:t>
             </a:fld>
@@ -1821,7 +1821,7 @@
           <p:cNvPr id="8" name="页脚占位符 7">
             <a:extLst>
               <a:ext uri="{FF2B5EF4-FFF2-40B4-BE49-F238E27FC236}">
-                <a16:creationId xmlns:a16="http://schemas.microsoft.com/office/drawing/2014/main" id="{C325878B-DC23-2158-A0D0-3ABFC534BE44}"/>
+                <a16:creationId xmlns:a16="http://schemas.microsoft.com/office/drawing/2014/main" id="{05E2CE93-5F0F-C6BE-3920-535F6600BFB2}"/>
               </a:ext>
             </a:extLst>
           </p:cNvPr>
@@ -1846,7 +1846,7 @@
           <p:cNvPr id="9" name="灯片编号占位符 8">
             <a:extLst>
               <a:ext uri="{FF2B5EF4-FFF2-40B4-BE49-F238E27FC236}">
-                <a16:creationId xmlns:a16="http://schemas.microsoft.com/office/drawing/2014/main" id="{70A4E185-7A0E-C148-5DB6-111DE777BE3E}"/>
+                <a16:creationId xmlns:a16="http://schemas.microsoft.com/office/drawing/2014/main" id="{7CAA8AB7-35A8-7319-3E2A-89A3888708D7}"/>
               </a:ext>
             </a:extLst>
           </p:cNvPr>
@@ -1862,7 +1862,7 @@
           <a:bodyPr/>
           <a:lstStyle/>
           <a:p>
-            <a:fld id="{FCA50853-9E15-4621-B5A8-F2A0C47FD15E}" type="slidenum">
+            <a:fld id="{9E421C91-0F0B-4F10-9A84-ED297DA35446}" type="slidenum">
               <a:rPr lang="zh-CN" altLang="en-US" smtClean="0"/>
               <a:t>‹#›</a:t>
             </a:fld>
@@ -1873,7 +1873,7 @@
     </p:spTree>
     <p:extLst>
       <p:ext uri="{BB962C8B-B14F-4D97-AF65-F5344CB8AC3E}">
-        <p14:creationId xmlns:p14="http://schemas.microsoft.com/office/powerpoint/2010/main" val="3444091710"/>
+        <p14:creationId xmlns:p14="http://schemas.microsoft.com/office/powerpoint/2010/main" val="3007647894"/>
       </p:ext>
     </p:extLst>
   </p:cSld>
@@ -1905,7 +1905,7 @@
           <p:cNvPr id="2" name="标题 1">
             <a:extLst>
               <a:ext uri="{FF2B5EF4-FFF2-40B4-BE49-F238E27FC236}">
-                <a16:creationId xmlns:a16="http://schemas.microsoft.com/office/drawing/2014/main" id="{2B21F8FF-C0CC-624E-B250-5F18A67924E0}"/>
+                <a16:creationId xmlns:a16="http://schemas.microsoft.com/office/drawing/2014/main" id="{D611308F-A853-FE52-3ADA-63D1C5904585}"/>
               </a:ext>
             </a:extLst>
           </p:cNvPr>
@@ -1933,7 +1933,7 @@
           <p:cNvPr id="3" name="日期占位符 2">
             <a:extLst>
               <a:ext uri="{FF2B5EF4-FFF2-40B4-BE49-F238E27FC236}">
-                <a16:creationId xmlns:a16="http://schemas.microsoft.com/office/drawing/2014/main" id="{C6D5719D-E2C1-125B-0033-74860D56905B}"/>
+                <a16:creationId xmlns:a16="http://schemas.microsoft.com/office/drawing/2014/main" id="{5B727DF4-2282-DE8F-24E0-CF36F0005405}"/>
               </a:ext>
             </a:extLst>
           </p:cNvPr>
@@ -1949,7 +1949,7 @@
           <a:bodyPr/>
           <a:lstStyle/>
           <a:p>
-            <a:fld id="{90610C90-A3CD-4295-AD72-98969FDBB064}" type="datetimeFigureOut">
+            <a:fld id="{5BB2D626-81F7-474D-8652-877275D4453A}" type="datetimeFigureOut">
               <a:rPr lang="zh-CN" altLang="en-US" smtClean="0"/>
               <a:t>2024/3/10</a:t>
             </a:fld>
@@ -1962,7 +1962,7 @@
           <p:cNvPr id="4" name="页脚占位符 3">
             <a:extLst>
               <a:ext uri="{FF2B5EF4-FFF2-40B4-BE49-F238E27FC236}">
-                <a16:creationId xmlns:a16="http://schemas.microsoft.com/office/drawing/2014/main" id="{472EA15E-D809-658E-19C2-C9CC5CE9680B}"/>
+                <a16:creationId xmlns:a16="http://schemas.microsoft.com/office/drawing/2014/main" id="{191B9202-4C52-5EA7-2CD1-FE3597833F80}"/>
               </a:ext>
             </a:extLst>
           </p:cNvPr>
@@ -1987,7 +1987,7 @@
           <p:cNvPr id="5" name="灯片编号占位符 4">
             <a:extLst>
               <a:ext uri="{FF2B5EF4-FFF2-40B4-BE49-F238E27FC236}">
-                <a16:creationId xmlns:a16="http://schemas.microsoft.com/office/drawing/2014/main" id="{8C9344C4-DDEC-15EE-E6B6-15F5F940973E}"/>
+                <a16:creationId xmlns:a16="http://schemas.microsoft.com/office/drawing/2014/main" id="{2B3D1D45-5271-9EBB-BBBE-89CEB8B98181}"/>
               </a:ext>
             </a:extLst>
           </p:cNvPr>
@@ -2003,7 +2003,7 @@
           <a:bodyPr/>
           <a:lstStyle/>
           <a:p>
-            <a:fld id="{FCA50853-9E15-4621-B5A8-F2A0C47FD15E}" type="slidenum">
+            <a:fld id="{9E421C91-0F0B-4F10-9A84-ED297DA35446}" type="slidenum">
               <a:rPr lang="zh-CN" altLang="en-US" smtClean="0"/>
               <a:t>‹#›</a:t>
             </a:fld>
@@ -2014,7 +2014,7 @@
     </p:spTree>
     <p:extLst>
       <p:ext uri="{BB962C8B-B14F-4D97-AF65-F5344CB8AC3E}">
-        <p14:creationId xmlns:p14="http://schemas.microsoft.com/office/powerpoint/2010/main" val="65791340"/>
+        <p14:creationId xmlns:p14="http://schemas.microsoft.com/office/powerpoint/2010/main" val="405329376"/>
       </p:ext>
     </p:extLst>
   </p:cSld>
@@ -2046,7 +2046,7 @@
           <p:cNvPr id="2" name="日期占位符 1">
             <a:extLst>
               <a:ext uri="{FF2B5EF4-FFF2-40B4-BE49-F238E27FC236}">
-                <a16:creationId xmlns:a16="http://schemas.microsoft.com/office/drawing/2014/main" id="{0D4D51EA-B6D6-6C9F-857F-FDDEC817A5A5}"/>
+                <a16:creationId xmlns:a16="http://schemas.microsoft.com/office/drawing/2014/main" id="{C7602B43-38EE-F8EC-D8C0-A02F3A8FDF18}"/>
               </a:ext>
             </a:extLst>
           </p:cNvPr>
@@ -2062,7 +2062,7 @@
           <a:bodyPr/>
           <a:lstStyle/>
           <a:p>
-            <a:fld id="{90610C90-A3CD-4295-AD72-98969FDBB064}" type="datetimeFigureOut">
+            <a:fld id="{5BB2D626-81F7-474D-8652-877275D4453A}" type="datetimeFigureOut">
               <a:rPr lang="zh-CN" altLang="en-US" smtClean="0"/>
               <a:t>2024/3/10</a:t>
             </a:fld>
@@ -2075,7 +2075,7 @@
           <p:cNvPr id="3" name="页脚占位符 2">
             <a:extLst>
               <a:ext uri="{FF2B5EF4-FFF2-40B4-BE49-F238E27FC236}">
-                <a16:creationId xmlns:a16="http://schemas.microsoft.com/office/drawing/2014/main" id="{14BA0851-D4F6-C450-DB9B-35B38F6D1BF0}"/>
+                <a16:creationId xmlns:a16="http://schemas.microsoft.com/office/drawing/2014/main" id="{9351A97A-A9B8-F8EA-3C84-9DF71551A69A}"/>
               </a:ext>
             </a:extLst>
           </p:cNvPr>
@@ -2100,7 +2100,7 @@
           <p:cNvPr id="4" name="灯片编号占位符 3">
             <a:extLst>
               <a:ext uri="{FF2B5EF4-FFF2-40B4-BE49-F238E27FC236}">
-                <a16:creationId xmlns:a16="http://schemas.microsoft.com/office/drawing/2014/main" id="{3F073F5B-F5F2-F3E1-1E82-6B9EF9AAB08E}"/>
+                <a16:creationId xmlns:a16="http://schemas.microsoft.com/office/drawing/2014/main" id="{3EB678E1-49D8-AF4F-135D-37EFCF97C201}"/>
               </a:ext>
             </a:extLst>
           </p:cNvPr>
@@ -2116,7 +2116,7 @@
           <a:bodyPr/>
           <a:lstStyle/>
           <a:p>
-            <a:fld id="{FCA50853-9E15-4621-B5A8-F2A0C47FD15E}" type="slidenum">
+            <a:fld id="{9E421C91-0F0B-4F10-9A84-ED297DA35446}" type="slidenum">
               <a:rPr lang="zh-CN" altLang="en-US" smtClean="0"/>
               <a:t>‹#›</a:t>
             </a:fld>
@@ -2127,7 +2127,7 @@
     </p:spTree>
     <p:extLst>
       <p:ext uri="{BB962C8B-B14F-4D97-AF65-F5344CB8AC3E}">
-        <p14:creationId xmlns:p14="http://schemas.microsoft.com/office/powerpoint/2010/main" val="1235220941"/>
+        <p14:creationId xmlns:p14="http://schemas.microsoft.com/office/powerpoint/2010/main" val="2453661458"/>
       </p:ext>
     </p:extLst>
   </p:cSld>
@@ -2159,7 +2159,7 @@
           <p:cNvPr id="2" name="标题 1">
             <a:extLst>
               <a:ext uri="{FF2B5EF4-FFF2-40B4-BE49-F238E27FC236}">
-                <a16:creationId xmlns:a16="http://schemas.microsoft.com/office/drawing/2014/main" id="{C860FF91-9AF1-F958-B161-499C407CAFCE}"/>
+                <a16:creationId xmlns:a16="http://schemas.microsoft.com/office/drawing/2014/main" id="{6BDD545E-CE00-659B-DFD6-9E3C1F691B78}"/>
               </a:ext>
             </a:extLst>
           </p:cNvPr>
@@ -2196,7 +2196,7 @@
           <p:cNvPr id="3" name="内容占位符 2">
             <a:extLst>
               <a:ext uri="{FF2B5EF4-FFF2-40B4-BE49-F238E27FC236}">
-                <a16:creationId xmlns:a16="http://schemas.microsoft.com/office/drawing/2014/main" id="{1B919781-8F26-82B2-790A-A83E5C8978A0}"/>
+                <a16:creationId xmlns:a16="http://schemas.microsoft.com/office/drawing/2014/main" id="{844C98CF-3F28-6668-E031-AD599D3426A7}"/>
               </a:ext>
             </a:extLst>
           </p:cNvPr>
@@ -2286,7 +2286,7 @@
           <p:cNvPr id="4" name="文本占位符 3">
             <a:extLst>
               <a:ext uri="{FF2B5EF4-FFF2-40B4-BE49-F238E27FC236}">
-                <a16:creationId xmlns:a16="http://schemas.microsoft.com/office/drawing/2014/main" id="{C3969FC6-96F8-509E-A24D-C8757417C0D4}"/>
+                <a16:creationId xmlns:a16="http://schemas.microsoft.com/office/drawing/2014/main" id="{5E0B7187-3DBA-6AA6-B1F3-D33250EB4F2C}"/>
               </a:ext>
             </a:extLst>
           </p:cNvPr>
@@ -2357,7 +2357,7 @@
           <p:cNvPr id="5" name="日期占位符 4">
             <a:extLst>
               <a:ext uri="{FF2B5EF4-FFF2-40B4-BE49-F238E27FC236}">
-                <a16:creationId xmlns:a16="http://schemas.microsoft.com/office/drawing/2014/main" id="{E95DE77F-F1D5-39F3-F162-D34DEF6CBF73}"/>
+                <a16:creationId xmlns:a16="http://schemas.microsoft.com/office/drawing/2014/main" id="{A33523DC-BD71-5967-1206-75319D1E4FC3}"/>
               </a:ext>
             </a:extLst>
           </p:cNvPr>
@@ -2373,7 +2373,7 @@
           <a:bodyPr/>
           <a:lstStyle/>
           <a:p>
-            <a:fld id="{90610C90-A3CD-4295-AD72-98969FDBB064}" type="datetimeFigureOut">
+            <a:fld id="{5BB2D626-81F7-474D-8652-877275D4453A}" type="datetimeFigureOut">
               <a:rPr lang="zh-CN" altLang="en-US" smtClean="0"/>
               <a:t>2024/3/10</a:t>
             </a:fld>
@@ -2386,7 +2386,7 @@
           <p:cNvPr id="6" name="页脚占位符 5">
             <a:extLst>
               <a:ext uri="{FF2B5EF4-FFF2-40B4-BE49-F238E27FC236}">
-                <a16:creationId xmlns:a16="http://schemas.microsoft.com/office/drawing/2014/main" id="{A8C75CDE-AF5F-CBCE-FFDD-931E4DDD11C7}"/>
+                <a16:creationId xmlns:a16="http://schemas.microsoft.com/office/drawing/2014/main" id="{CDD2E08D-62D2-6529-D215-B8CFD95512C6}"/>
               </a:ext>
             </a:extLst>
           </p:cNvPr>
@@ -2411,7 +2411,7 @@
           <p:cNvPr id="7" name="灯片编号占位符 6">
             <a:extLst>
               <a:ext uri="{FF2B5EF4-FFF2-40B4-BE49-F238E27FC236}">
-                <a16:creationId xmlns:a16="http://schemas.microsoft.com/office/drawing/2014/main" id="{90020DEC-CEE7-1ACB-6EA0-D9D4DF869674}"/>
+                <a16:creationId xmlns:a16="http://schemas.microsoft.com/office/drawing/2014/main" id="{6E8EA600-6712-58F0-43B8-662C356D68CC}"/>
               </a:ext>
             </a:extLst>
           </p:cNvPr>
@@ -2427,7 +2427,7 @@
           <a:bodyPr/>
           <a:lstStyle/>
           <a:p>
-            <a:fld id="{FCA50853-9E15-4621-B5A8-F2A0C47FD15E}" type="slidenum">
+            <a:fld id="{9E421C91-0F0B-4F10-9A84-ED297DA35446}" type="slidenum">
               <a:rPr lang="zh-CN" altLang="en-US" smtClean="0"/>
               <a:t>‹#›</a:t>
             </a:fld>
@@ -2438,7 +2438,7 @@
     </p:spTree>
     <p:extLst>
       <p:ext uri="{BB962C8B-B14F-4D97-AF65-F5344CB8AC3E}">
-        <p14:creationId xmlns:p14="http://schemas.microsoft.com/office/powerpoint/2010/main" val="4145964136"/>
+        <p14:creationId xmlns:p14="http://schemas.microsoft.com/office/powerpoint/2010/main" val="3345257349"/>
       </p:ext>
     </p:extLst>
   </p:cSld>
@@ -2470,7 +2470,7 @@
           <p:cNvPr id="2" name="标题 1">
             <a:extLst>
               <a:ext uri="{FF2B5EF4-FFF2-40B4-BE49-F238E27FC236}">
-                <a16:creationId xmlns:a16="http://schemas.microsoft.com/office/drawing/2014/main" id="{894CEF43-97F2-566C-29FE-22606C654528}"/>
+                <a16:creationId xmlns:a16="http://schemas.microsoft.com/office/drawing/2014/main" id="{ED15F482-9621-847C-ED7C-1E8B08716ACF}"/>
               </a:ext>
             </a:extLst>
           </p:cNvPr>
@@ -2507,7 +2507,7 @@
           <p:cNvPr id="3" name="图片占位符 2">
             <a:extLst>
               <a:ext uri="{FF2B5EF4-FFF2-40B4-BE49-F238E27FC236}">
-                <a16:creationId xmlns:a16="http://schemas.microsoft.com/office/drawing/2014/main" id="{4450E5A5-F65F-857A-3E45-260815D7995E}"/>
+                <a16:creationId xmlns:a16="http://schemas.microsoft.com/office/drawing/2014/main" id="{CA3056BE-9325-01AA-CD02-A091768A7AA3}"/>
               </a:ext>
             </a:extLst>
           </p:cNvPr>
@@ -2574,7 +2574,7 @@
           <p:cNvPr id="4" name="文本占位符 3">
             <a:extLst>
               <a:ext uri="{FF2B5EF4-FFF2-40B4-BE49-F238E27FC236}">
-                <a16:creationId xmlns:a16="http://schemas.microsoft.com/office/drawing/2014/main" id="{27BBB561-6733-AF93-C3A9-D6DCDB0EDD7F}"/>
+                <a16:creationId xmlns:a16="http://schemas.microsoft.com/office/drawing/2014/main" id="{AFDE4398-0D9C-5F2C-05D4-B8CD568B5B0C}"/>
               </a:ext>
             </a:extLst>
           </p:cNvPr>
@@ -2645,7 +2645,7 @@
           <p:cNvPr id="5" name="日期占位符 4">
             <a:extLst>
               <a:ext uri="{FF2B5EF4-FFF2-40B4-BE49-F238E27FC236}">
-                <a16:creationId xmlns:a16="http://schemas.microsoft.com/office/drawing/2014/main" id="{D46ACF1A-3566-62CD-5D5A-04F1E56BB622}"/>
+                <a16:creationId xmlns:a16="http://schemas.microsoft.com/office/drawing/2014/main" id="{E778BFF9-697F-5A49-BF4D-5CE42BE61194}"/>
               </a:ext>
             </a:extLst>
           </p:cNvPr>
@@ -2661,7 +2661,7 @@
           <a:bodyPr/>
           <a:lstStyle/>
           <a:p>
-            <a:fld id="{90610C90-A3CD-4295-AD72-98969FDBB064}" type="datetimeFigureOut">
+            <a:fld id="{5BB2D626-81F7-474D-8652-877275D4453A}" type="datetimeFigureOut">
               <a:rPr lang="zh-CN" altLang="en-US" smtClean="0"/>
               <a:t>2024/3/10</a:t>
             </a:fld>
@@ -2674,7 +2674,7 @@
           <p:cNvPr id="6" name="页脚占位符 5">
             <a:extLst>
               <a:ext uri="{FF2B5EF4-FFF2-40B4-BE49-F238E27FC236}">
-                <a16:creationId xmlns:a16="http://schemas.microsoft.com/office/drawing/2014/main" id="{789CC020-D150-DD26-88E1-60C395BE179B}"/>
+                <a16:creationId xmlns:a16="http://schemas.microsoft.com/office/drawing/2014/main" id="{949DB619-156F-21A1-CD98-98FBB23EF4D2}"/>
               </a:ext>
             </a:extLst>
           </p:cNvPr>
@@ -2699,7 +2699,7 @@
           <p:cNvPr id="7" name="灯片编号占位符 6">
             <a:extLst>
               <a:ext uri="{FF2B5EF4-FFF2-40B4-BE49-F238E27FC236}">
-                <a16:creationId xmlns:a16="http://schemas.microsoft.com/office/drawing/2014/main" id="{867F573D-80B3-E1E4-2941-054ED1362908}"/>
+                <a16:creationId xmlns:a16="http://schemas.microsoft.com/office/drawing/2014/main" id="{E8E189FE-9AE8-4468-CD40-C72385CE403D}"/>
               </a:ext>
             </a:extLst>
           </p:cNvPr>
@@ -2715,7 +2715,7 @@
           <a:bodyPr/>
           <a:lstStyle/>
           <a:p>
-            <a:fld id="{FCA50853-9E15-4621-B5A8-F2A0C47FD15E}" type="slidenum">
+            <a:fld id="{9E421C91-0F0B-4F10-9A84-ED297DA35446}" type="slidenum">
               <a:rPr lang="zh-CN" altLang="en-US" smtClean="0"/>
               <a:t>‹#›</a:t>
             </a:fld>
@@ -2726,7 +2726,7 @@
     </p:spTree>
     <p:extLst>
       <p:ext uri="{BB962C8B-B14F-4D97-AF65-F5344CB8AC3E}">
-        <p14:creationId xmlns:p14="http://schemas.microsoft.com/office/powerpoint/2010/main" val="597987637"/>
+        <p14:creationId xmlns:p14="http://schemas.microsoft.com/office/powerpoint/2010/main" val="985105747"/>
       </p:ext>
     </p:extLst>
   </p:cSld>
@@ -2763,7 +2763,7 @@
           <p:cNvPr id="2" name="标题占位符 1">
             <a:extLst>
               <a:ext uri="{FF2B5EF4-FFF2-40B4-BE49-F238E27FC236}">
-                <a16:creationId xmlns:a16="http://schemas.microsoft.com/office/drawing/2014/main" id="{7CA8463A-D000-C0F6-E6FC-0E3E38A272DB}"/>
+                <a16:creationId xmlns:a16="http://schemas.microsoft.com/office/drawing/2014/main" id="{462FB51C-01DB-2FF1-AF84-B83B22A48F13}"/>
               </a:ext>
             </a:extLst>
           </p:cNvPr>
@@ -2801,7 +2801,7 @@
           <p:cNvPr id="3" name="文本占位符 2">
             <a:extLst>
               <a:ext uri="{FF2B5EF4-FFF2-40B4-BE49-F238E27FC236}">
-                <a16:creationId xmlns:a16="http://schemas.microsoft.com/office/drawing/2014/main" id="{4DAC3B0E-5E0B-C5EE-1D39-8F8804C82E0A}"/>
+                <a16:creationId xmlns:a16="http://schemas.microsoft.com/office/drawing/2014/main" id="{52BF123F-85A7-5D30-985E-67613491CED0}"/>
               </a:ext>
             </a:extLst>
           </p:cNvPr>
@@ -2868,7 +2868,7 @@
           <p:cNvPr id="4" name="日期占位符 3">
             <a:extLst>
               <a:ext uri="{FF2B5EF4-FFF2-40B4-BE49-F238E27FC236}">
-                <a16:creationId xmlns:a16="http://schemas.microsoft.com/office/drawing/2014/main" id="{9E3AFB99-DDC4-3261-8F98-E9ECB5E6E4AD}"/>
+                <a16:creationId xmlns:a16="http://schemas.microsoft.com/office/drawing/2014/main" id="{B49EFB0C-2194-626E-AC2E-69E6C434B088}"/>
               </a:ext>
             </a:extLst>
           </p:cNvPr>
@@ -2902,7 +2902,7 @@
             </a:lvl1pPr>
           </a:lstStyle>
           <a:p>
-            <a:fld id="{90610C90-A3CD-4295-AD72-98969FDBB064}" type="datetimeFigureOut">
+            <a:fld id="{5BB2D626-81F7-474D-8652-877275D4453A}" type="datetimeFigureOut">
               <a:rPr lang="zh-CN" altLang="en-US" smtClean="0"/>
               <a:t>2024/3/10</a:t>
             </a:fld>
@@ -2915,7 +2915,7 @@
           <p:cNvPr id="5" name="页脚占位符 4">
             <a:extLst>
               <a:ext uri="{FF2B5EF4-FFF2-40B4-BE49-F238E27FC236}">
-                <a16:creationId xmlns:a16="http://schemas.microsoft.com/office/drawing/2014/main" id="{F1774FF1-8712-12B6-5D35-C041B0EB0726}"/>
+                <a16:creationId xmlns:a16="http://schemas.microsoft.com/office/drawing/2014/main" id="{1C059809-423B-F66A-6499-ACFE7E90F0DF}"/>
               </a:ext>
             </a:extLst>
           </p:cNvPr>
@@ -2958,7 +2958,7 @@
           <p:cNvPr id="6" name="灯片编号占位符 5">
             <a:extLst>
               <a:ext uri="{FF2B5EF4-FFF2-40B4-BE49-F238E27FC236}">
-                <a16:creationId xmlns:a16="http://schemas.microsoft.com/office/drawing/2014/main" id="{45465578-0040-42EE-B930-9806F2741CBF}"/>
+                <a16:creationId xmlns:a16="http://schemas.microsoft.com/office/drawing/2014/main" id="{2C15BA6C-8232-99BC-C884-394F61A8C9A9}"/>
               </a:ext>
             </a:extLst>
           </p:cNvPr>
@@ -2992,7 +2992,7 @@
             </a:lvl1pPr>
           </a:lstStyle>
           <a:p>
-            <a:fld id="{FCA50853-9E15-4621-B5A8-F2A0C47FD15E}" type="slidenum">
+            <a:fld id="{9E421C91-0F0B-4F10-9A84-ED297DA35446}" type="slidenum">
               <a:rPr lang="zh-CN" altLang="en-US" smtClean="0"/>
               <a:t>‹#›</a:t>
             </a:fld>
@@ -3003,7 +3003,7 @@
     </p:spTree>
     <p:extLst>
       <p:ext uri="{BB962C8B-B14F-4D97-AF65-F5344CB8AC3E}">
-        <p14:creationId xmlns:p14="http://schemas.microsoft.com/office/powerpoint/2010/main" val="668755131"/>
+        <p14:creationId xmlns:p14="http://schemas.microsoft.com/office/powerpoint/2010/main" val="3767932175"/>
       </p:ext>
     </p:extLst>
   </p:cSld>
@@ -3323,7 +3323,7 @@
       </p:grpSpPr>
       <p:pic>
         <p:nvPicPr>
-          <p:cNvPr id="1502210" name="Picture 2" descr="1466"/>
+          <p:cNvPr id="1503234" name="Picture 2" descr="1467"/>
           <p:cNvPicPr>
             <a:picLocks noChangeAspect="1" noChangeArrowheads="1"/>
           </p:cNvPicPr>
@@ -3344,8 +3344,8 @@
         </p:blipFill>
         <p:spPr bwMode="auto">
           <a:xfrm>
-            <a:off x="1524000" y="1"/>
-            <a:ext cx="9144000" cy="4581525"/>
+            <a:off x="1524000" y="0"/>
+            <a:ext cx="9144000" cy="4508500"/>
           </a:xfrm>
           <a:prstGeom prst="rect">
             <a:avLst/>
